--- a/lectures/lecture-04/Lecture 04 - Lecture.pptx
+++ b/lectures/lecture-04/Lecture 04 - Lecture.pptx
@@ -863,7 +863,7 @@
           <a:p>
             <a:fld id="{3A2BF66F-FEB0-48C1-A8B9-A73F54BB1A08}" type="datetimeFigureOut">
               <a:rPr lang="en-US" smtClean="0"/>
-              <a:t>7/1/2021</a:t>
+              <a:t>7/2/2021</a:t>
             </a:fld>
             <a:endParaRPr lang="en-US" dirty="0"/>
           </a:p>
@@ -1071,7 +1071,7 @@
           <a:p>
             <a:fld id="{3A2BF66F-FEB0-48C1-A8B9-A73F54BB1A08}" type="datetimeFigureOut">
               <a:rPr lang="en-US" smtClean="0"/>
-              <a:t>7/1/2021</a:t>
+              <a:t>7/2/2021</a:t>
             </a:fld>
             <a:endParaRPr lang="en-US" dirty="0"/>
           </a:p>
@@ -1289,7 +1289,7 @@
           <a:p>
             <a:fld id="{3A2BF66F-FEB0-48C1-A8B9-A73F54BB1A08}" type="datetimeFigureOut">
               <a:rPr lang="en-US" smtClean="0"/>
-              <a:t>7/1/2021</a:t>
+              <a:t>7/2/2021</a:t>
             </a:fld>
             <a:endParaRPr lang="en-US" dirty="0"/>
           </a:p>
@@ -1497,7 +1497,7 @@
           <a:p>
             <a:fld id="{3A2BF66F-FEB0-48C1-A8B9-A73F54BB1A08}" type="datetimeFigureOut">
               <a:rPr lang="en-US" smtClean="0"/>
-              <a:t>7/1/2021</a:t>
+              <a:t>7/2/2021</a:t>
             </a:fld>
             <a:endParaRPr lang="en-US" dirty="0"/>
           </a:p>
@@ -1782,7 +1782,7 @@
           <a:p>
             <a:fld id="{3A2BF66F-FEB0-48C1-A8B9-A73F54BB1A08}" type="datetimeFigureOut">
               <a:rPr lang="en-US" smtClean="0"/>
-              <a:t>7/1/2021</a:t>
+              <a:t>7/2/2021</a:t>
             </a:fld>
             <a:endParaRPr lang="en-US" dirty="0"/>
           </a:p>
@@ -2057,7 +2057,7 @@
           <a:p>
             <a:fld id="{3A2BF66F-FEB0-48C1-A8B9-A73F54BB1A08}" type="datetimeFigureOut">
               <a:rPr lang="en-US" smtClean="0"/>
-              <a:t>7/1/2021</a:t>
+              <a:t>7/2/2021</a:t>
             </a:fld>
             <a:endParaRPr lang="en-US" dirty="0"/>
           </a:p>
@@ -2479,7 +2479,7 @@
           <a:p>
             <a:fld id="{3A2BF66F-FEB0-48C1-A8B9-A73F54BB1A08}" type="datetimeFigureOut">
               <a:rPr lang="en-US" smtClean="0"/>
-              <a:t>7/1/2021</a:t>
+              <a:t>7/2/2021</a:t>
             </a:fld>
             <a:endParaRPr lang="en-US" dirty="0"/>
           </a:p>
@@ -2630,7 +2630,7 @@
           <a:p>
             <a:fld id="{3A2BF66F-FEB0-48C1-A8B9-A73F54BB1A08}" type="datetimeFigureOut">
               <a:rPr lang="en-US" smtClean="0"/>
-              <a:t>7/1/2021</a:t>
+              <a:t>7/2/2021</a:t>
             </a:fld>
             <a:endParaRPr lang="en-US" dirty="0"/>
           </a:p>
@@ -2753,7 +2753,7 @@
           <a:p>
             <a:fld id="{3A2BF66F-FEB0-48C1-A8B9-A73F54BB1A08}" type="datetimeFigureOut">
               <a:rPr lang="en-US" smtClean="0"/>
-              <a:t>7/1/2021</a:t>
+              <a:t>7/2/2021</a:t>
             </a:fld>
             <a:endParaRPr lang="en-US" dirty="0"/>
           </a:p>
@@ -3073,7 +3073,7 @@
           <a:p>
             <a:fld id="{3A2BF66F-FEB0-48C1-A8B9-A73F54BB1A08}" type="datetimeFigureOut">
               <a:rPr lang="en-US" smtClean="0"/>
-              <a:t>7/1/2021</a:t>
+              <a:t>7/2/2021</a:t>
             </a:fld>
             <a:endParaRPr lang="en-US" dirty="0"/>
           </a:p>
@@ -3371,7 +3371,7 @@
           <a:p>
             <a:fld id="{3A2BF66F-FEB0-48C1-A8B9-A73F54BB1A08}" type="datetimeFigureOut">
               <a:rPr lang="en-US" smtClean="0"/>
-              <a:t>7/1/2021</a:t>
+              <a:t>7/2/2021</a:t>
             </a:fld>
             <a:endParaRPr lang="en-US" dirty="0"/>
           </a:p>
@@ -3622,7 +3622,7 @@
           <a:p>
             <a:fld id="{3A2BF66F-FEB0-48C1-A8B9-A73F54BB1A08}" type="datetimeFigureOut">
               <a:rPr lang="en-US" smtClean="0"/>
-              <a:t>7/1/2021</a:t>
+              <a:t>7/2/2021</a:t>
             </a:fld>
             <a:endParaRPr lang="en-US" dirty="0"/>
           </a:p>
@@ -5584,7 +5584,44 @@
               <a:rPr lang="en-US" dirty="0" err="1"/>
               <a:t>11:59pm</a:t>
             </a:r>
-            <a:endParaRPr lang="en-US"/>
+            <a:endParaRPr lang="en-US" dirty="0"/>
+          </a:p>
+          <a:p>
+            <a:r>
+              <a:rPr lang="en-US" dirty="0" err="1"/>
+              <a:t>PA0.5</a:t>
+            </a:r>
+            <a:r>
+              <a:rPr lang="en-US" dirty="0"/>
+              <a:t> and </a:t>
+            </a:r>
+            <a:r>
+              <a:rPr lang="en-US" dirty="0" err="1"/>
+              <a:t>PA1</a:t>
+            </a:r>
+            <a:r>
+              <a:rPr lang="en-US" dirty="0"/>
+              <a:t> resubmissions opened on </a:t>
+            </a:r>
+            <a:r>
+              <a:rPr lang="en-US" dirty="0" err="1"/>
+              <a:t>Gradescope</a:t>
+            </a:r>
+            <a:endParaRPr lang="en-US" dirty="0"/>
+          </a:p>
+          <a:p>
+            <a:pPr lvl="1"/>
+            <a:r>
+              <a:rPr lang="en-US" dirty="0"/>
+              <a:t>Grading in the next few days</a:t>
+            </a:r>
+          </a:p>
+          <a:p>
+            <a:pPr lvl="1"/>
+            <a:r>
+              <a:rPr lang="en-US" dirty="0"/>
+              <a:t>Due in a week</a:t>
+            </a:r>
           </a:p>
           <a:p>
             <a:endParaRPr lang="en-US" dirty="0"/>
